--- a/ChallengeAPI-AKS-Presentation-DeploymentAPP-final.pptx
+++ b/ChallengeAPI-AKS-Presentation-DeploymentAPP-final.pptx
@@ -14,13 +14,13 @@
     <p:sldId id="616" r:id="rId5"/>
     <p:sldId id="609" r:id="rId6"/>
     <p:sldId id="610" r:id="rId7"/>
-    <p:sldId id="585" r:id="rId8"/>
-    <p:sldId id="611" r:id="rId9"/>
-    <p:sldId id="615" r:id="rId10"/>
-    <p:sldId id="613" r:id="rId11"/>
-    <p:sldId id="614" r:id="rId12"/>
-    <p:sldId id="606" r:id="rId13"/>
-    <p:sldId id="612" r:id="rId14"/>
+    <p:sldId id="611" r:id="rId8"/>
+    <p:sldId id="615" r:id="rId9"/>
+    <p:sldId id="613" r:id="rId10"/>
+    <p:sldId id="614" r:id="rId11"/>
+    <p:sldId id="617" r:id="rId12"/>
+    <p:sldId id="618" r:id="rId13"/>
+    <p:sldId id="619" r:id="rId14"/>
   </p:sldIdLst>
   <p:sldSz cx="12192000" cy="6858000"/>
   <p:notesSz cx="6858000" cy="9144000"/>
@@ -158,13 +158,13 @@
             <p14:sldId id="616"/>
             <p14:sldId id="609"/>
             <p14:sldId id="610"/>
-            <p14:sldId id="585"/>
             <p14:sldId id="611"/>
             <p14:sldId id="615"/>
             <p14:sldId id="613"/>
             <p14:sldId id="614"/>
-            <p14:sldId id="606"/>
-            <p14:sldId id="612"/>
+            <p14:sldId id="617"/>
+            <p14:sldId id="618"/>
+            <p14:sldId id="619"/>
           </p14:sldIdLst>
         </p14:section>
       </p14:sectionLst>
@@ -346,7 +346,7 @@
               <a:pPr>
                 <a:defRPr/>
               </a:pPr>
-              <a:t>3/15/2024</a:t>
+              <a:t>3/16/2024</a:t>
             </a:fld>
             <a:endParaRPr lang="en-US"/>
           </a:p>
@@ -825,96 +825,6 @@
     <p:extLst>
       <p:ext uri="{BB962C8B-B14F-4D97-AF65-F5344CB8AC3E}">
         <p14:creationId xmlns:p14="http://schemas.microsoft.com/office/powerpoint/2010/main" val="1368694747"/>
-      </p:ext>
-    </p:extLst>
-  </p:cSld>
-  <p:clrMapOvr>
-    <a:masterClrMapping/>
-  </p:clrMapOvr>
-</p:notes>
-</file>
-
-<file path=ppt/notesSlides/notesSlide2.xml><?xml version="1.0" encoding="utf-8"?>
-<p:notes xmlns:a="http://schemas.openxmlformats.org/drawingml/2006/main" xmlns:r="http://schemas.openxmlformats.org/officeDocument/2006/relationships" xmlns:p="http://schemas.openxmlformats.org/presentationml/2006/main">
-  <p:cSld>
-    <p:spTree>
-      <p:nvGrpSpPr>
-        <p:cNvPr id="1" name=""/>
-        <p:cNvGrpSpPr/>
-        <p:nvPr/>
-      </p:nvGrpSpPr>
-      <p:grpSpPr>
-        <a:xfrm>
-          <a:off x="0" y="0"/>
-          <a:ext cx="0" cy="0"/>
-          <a:chOff x="0" y="0"/>
-          <a:chExt cx="0" cy="0"/>
-        </a:xfrm>
-      </p:grpSpPr>
-      <p:sp>
-        <p:nvSpPr>
-          <p:cNvPr id="2" name="Slide Image Placeholder 1"/>
-          <p:cNvSpPr>
-            <a:spLocks noGrp="1" noRot="1" noChangeAspect="1"/>
-          </p:cNvSpPr>
-          <p:nvPr>
-            <p:ph type="sldImg"/>
-          </p:nvPr>
-        </p:nvSpPr>
-        <p:spPr/>
-      </p:sp>
-      <p:sp>
-        <p:nvSpPr>
-          <p:cNvPr id="3" name="Notes Placeholder 2"/>
-          <p:cNvSpPr>
-            <a:spLocks noGrp="1"/>
-          </p:cNvSpPr>
-          <p:nvPr>
-            <p:ph type="body" idx="1"/>
-          </p:nvPr>
-        </p:nvSpPr>
-        <p:spPr/>
-        <p:txBody>
-          <a:bodyPr/>
-          <a:lstStyle/>
-          <a:p>
-            <a:endParaRPr lang="en-US" dirty="0"/>
-          </a:p>
-        </p:txBody>
-      </p:sp>
-      <p:sp>
-        <p:nvSpPr>
-          <p:cNvPr id="4" name="Slide Number Placeholder 3"/>
-          <p:cNvSpPr>
-            <a:spLocks noGrp="1"/>
-          </p:cNvSpPr>
-          <p:nvPr>
-            <p:ph type="sldNum" sz="quarter" idx="5"/>
-          </p:nvPr>
-        </p:nvSpPr>
-        <p:spPr/>
-        <p:txBody>
-          <a:bodyPr/>
-          <a:lstStyle/>
-          <a:p>
-            <a:pPr>
-              <a:defRPr/>
-            </a:pPr>
-            <a:fld id="{148E93DF-EC4A-7C45-AB6A-FC63BC432F2F}" type="slidenum">
-              <a:rPr lang="en-US" smtClean="0"/>
-              <a:pPr>
-                <a:defRPr/>
-              </a:pPr>
-              <a:t>10</a:t>
-            </a:fld>
-            <a:endParaRPr lang="en-US"/>
-          </a:p>
-        </p:txBody>
-      </p:sp>
-    </p:spTree>
-    <p:extLst>
-      <p:ext uri="{BB962C8B-B14F-4D97-AF65-F5344CB8AC3E}">
-        <p14:creationId xmlns:p14="http://schemas.microsoft.com/office/powerpoint/2010/main" val="3162482904"/>
       </p:ext>
     </p:extLst>
   </p:cSld>
@@ -27412,253 +27322,61 @@
             </a:r>
             <a:r>
               <a:rPr lang="en-US" altLang="en-US" dirty="0"/>
-              <a:t> </a:t>
-            </a:r>
-          </a:p>
-        </p:txBody>
-      </p:sp>
-      <p:sp>
-        <p:nvSpPr>
-          <p:cNvPr id="44034" name="Content Placeholder 5">
-            <a:extLst>
-              <a:ext uri="{FF2B5EF4-FFF2-40B4-BE49-F238E27FC236}">
-                <a16:creationId xmlns:a16="http://schemas.microsoft.com/office/drawing/2014/main" id="{E2F525D9-F783-7B40-850E-520CE425ACA7}"/>
-              </a:ext>
-            </a:extLst>
-          </p:cNvPr>
-          <p:cNvSpPr>
-            <a:spLocks noGrp="1" noChangeArrowheads="1"/>
-          </p:cNvSpPr>
-          <p:nvPr>
-            <p:ph type="body" sz="quarter" idx="13"/>
-          </p:nvPr>
-        </p:nvSpPr>
-        <p:spPr/>
-        <p:txBody>
-          <a:bodyPr/>
-          <a:lstStyle/>
-          <a:p>
+              <a:t> Boards</a:t>
+            </a:r>
             <a:br>
               <a:rPr lang="en-US" altLang="en-US" dirty="0"/>
             </a:br>
             <a:r>
-              <a:rPr lang="en-US" altLang="en-US" sz="4000" b="1" dirty="0">
+              <a:rPr lang="en-US" altLang="en-US" dirty="0"/>
+              <a:t> </a:t>
+            </a:r>
+          </a:p>
+        </p:txBody>
+      </p:sp>
+      <p:sp>
+        <p:nvSpPr>
+          <p:cNvPr id="44035" name="Content Placeholder 6">
+            <a:extLst>
+              <a:ext uri="{FF2B5EF4-FFF2-40B4-BE49-F238E27FC236}">
+                <a16:creationId xmlns:a16="http://schemas.microsoft.com/office/drawing/2014/main" id="{0F218B49-3462-5541-B87F-3EA3FD8B709F}"/>
+              </a:ext>
+            </a:extLst>
+          </p:cNvPr>
+          <p:cNvSpPr>
+            <a:spLocks noGrp="1" noChangeArrowheads="1"/>
+          </p:cNvSpPr>
+          <p:nvPr>
+            <p:ph type="body" sz="quarter" idx="14"/>
+          </p:nvPr>
+        </p:nvSpPr>
+        <p:spPr>
+          <a:xfrm>
+            <a:off x="2876083" y="775693"/>
+            <a:ext cx="3603625" cy="4725987"/>
+          </a:xfrm>
+        </p:spPr>
+        <p:txBody>
+          <a:bodyPr/>
+          <a:lstStyle/>
+          <a:p>
+            <a:br>
+              <a:rPr lang="en-US" altLang="en-US" dirty="0"/>
+            </a:br>
+            <a:r>
+              <a:rPr lang="en-US" altLang="en-US" sz="1800" b="1" dirty="0">
                 <a:solidFill>
                   <a:schemeClr val="accent1"/>
                 </a:solidFill>
               </a:rPr>
-              <a:t>1</a:t>
-            </a:r>
-          </a:p>
-          <a:p>
-            <a:r>
-              <a:rPr lang="en-US" altLang="en-US" sz="2000" b="1" dirty="0"/>
-              <a:t>Check for the latest </a:t>
-            </a:r>
-            <a:br>
-              <a:rPr lang="en-US" altLang="en-US" sz="2000" b="1" dirty="0"/>
-            </a:br>
-            <a:r>
-              <a:rPr lang="en-US" altLang="en-US" sz="2000" b="1" dirty="0"/>
-              <a:t>deck update.</a:t>
-            </a:r>
-          </a:p>
-          <a:p>
-            <a:r>
-              <a:rPr lang="en-US" altLang="en-US" sz="1800" dirty="0"/>
-              <a:t>Download the latest </a:t>
-            </a:r>
-            <a:br>
-              <a:rPr lang="en-US" altLang="en-US" sz="1800" dirty="0"/>
-            </a:br>
-            <a:r>
-              <a:rPr lang="en-US" altLang="en-US" sz="1800" dirty="0"/>
-              <a:t>deck from the </a:t>
-            </a:r>
-            <a:br>
-              <a:rPr lang="en-US" altLang="en-US" sz="1800" dirty="0"/>
-            </a:br>
-            <a:r>
-              <a:rPr lang="en-US" altLang="en-US" sz="1800" dirty="0">
-                <a:solidFill>
-                  <a:schemeClr val="accent6"/>
-                </a:solidFill>
-                <a:hlinkClick r:id="rId3">
-                  <a:extLst>
-                    <a:ext uri="{A12FA001-AC4F-418D-AE19-62706E023703}">
-                      <ahyp:hlinkClr xmlns:ahyp="http://schemas.microsoft.com/office/drawing/2018/hyperlinkcolor" val="tx"/>
-                    </a:ext>
-                  </a:extLst>
-                </a:hlinkClick>
-              </a:rPr>
-              <a:t>AWS Architecture Center</a:t>
-            </a:r>
-            <a:r>
-              <a:rPr lang="en-US" altLang="en-US" sz="1800" dirty="0">
-                <a:solidFill>
-                  <a:schemeClr val="accent6"/>
-                </a:solidFill>
-              </a:rPr>
-              <a:t>.</a:t>
-            </a:r>
+              <a:t>2 - Network</a:t>
+            </a:r>
+          </a:p>
+          <a:p>
+            <a:endParaRPr lang="en-US" altLang="en-US" sz="1800" b="1" dirty="0"/>
           </a:p>
           <a:p>
             <a:endParaRPr lang="en-US" altLang="en-US" dirty="0"/>
-          </a:p>
-        </p:txBody>
-      </p:sp>
-      <p:sp>
-        <p:nvSpPr>
-          <p:cNvPr id="44035" name="Content Placeholder 6">
-            <a:extLst>
-              <a:ext uri="{FF2B5EF4-FFF2-40B4-BE49-F238E27FC236}">
-                <a16:creationId xmlns:a16="http://schemas.microsoft.com/office/drawing/2014/main" id="{0F218B49-3462-5541-B87F-3EA3FD8B709F}"/>
-              </a:ext>
-            </a:extLst>
-          </p:cNvPr>
-          <p:cNvSpPr>
-            <a:spLocks noGrp="1" noChangeArrowheads="1"/>
-          </p:cNvSpPr>
-          <p:nvPr>
-            <p:ph type="body" sz="quarter" idx="14"/>
-          </p:nvPr>
-        </p:nvSpPr>
-        <p:spPr>
-          <a:xfrm>
-            <a:off x="4038600" y="2210811"/>
-            <a:ext cx="3603625" cy="4725987"/>
-          </a:xfrm>
-        </p:spPr>
-        <p:txBody>
-          <a:bodyPr/>
-          <a:lstStyle/>
-          <a:p>
-            <a:br>
-              <a:rPr lang="en-US" altLang="en-US" dirty="0"/>
-            </a:br>
-            <a:r>
-              <a:rPr lang="en-US" altLang="en-US" sz="4000" b="1" dirty="0">
-                <a:solidFill>
-                  <a:schemeClr val="accent1"/>
-                </a:solidFill>
-              </a:rPr>
-              <a:t>2</a:t>
-            </a:r>
-          </a:p>
-          <a:p>
-            <a:r>
-              <a:rPr lang="en-US" altLang="en-US" sz="2000" b="1" dirty="0"/>
-              <a:t>Read the guidelines.</a:t>
-            </a:r>
-          </a:p>
-          <a:p>
-            <a:r>
-              <a:rPr lang="en-US" altLang="en-US" sz="1800" dirty="0"/>
-              <a:t>For specific element guidance and best practices, see the </a:t>
-            </a:r>
-            <a:r>
-              <a:rPr lang="en-US" altLang="en-US" sz="1800" dirty="0">
-                <a:solidFill>
-                  <a:schemeClr val="accent6"/>
-                </a:solidFill>
-                <a:hlinkClick r:id="" action="ppaction://noaction">
-                  <a:extLst>
-                    <a:ext uri="{A12FA001-AC4F-418D-AE19-62706E023703}">
-                      <ahyp:hlinkClr xmlns:ahyp="http://schemas.microsoft.com/office/drawing/2018/hyperlinkcolor" val="tx"/>
-                    </a:ext>
-                  </a:extLst>
-                </a:hlinkClick>
-              </a:rPr>
-              <a:t>guidelines</a:t>
-            </a:r>
-            <a:r>
-              <a:rPr lang="en-US" altLang="en-US" sz="1800" dirty="0"/>
-              <a:t> section.</a:t>
-            </a:r>
-          </a:p>
-          <a:p>
-            <a:endParaRPr lang="en-US" altLang="en-US" dirty="0"/>
-          </a:p>
-        </p:txBody>
-      </p:sp>
-      <p:sp>
-        <p:nvSpPr>
-          <p:cNvPr id="44036" name="Content Placeholder 7">
-            <a:extLst>
-              <a:ext uri="{FF2B5EF4-FFF2-40B4-BE49-F238E27FC236}">
-                <a16:creationId xmlns:a16="http://schemas.microsoft.com/office/drawing/2014/main" id="{1C310A59-4332-774B-8C5F-EE7C2B07B4B2}"/>
-              </a:ext>
-            </a:extLst>
-          </p:cNvPr>
-          <p:cNvSpPr>
-            <a:spLocks noGrp="1" noChangeArrowheads="1"/>
-          </p:cNvSpPr>
-          <p:nvPr>
-            <p:ph type="body" sz="quarter" idx="15"/>
-          </p:nvPr>
-        </p:nvSpPr>
-        <p:spPr/>
-        <p:txBody>
-          <a:bodyPr/>
-          <a:lstStyle/>
-          <a:p>
-            <a:br>
-              <a:rPr lang="en-US" altLang="en-US" dirty="0"/>
-            </a:br>
-            <a:r>
-              <a:rPr lang="en-US" altLang="en-US" sz="4000" b="1" dirty="0">
-                <a:solidFill>
-                  <a:schemeClr val="accent1"/>
-                </a:solidFill>
-              </a:rPr>
-              <a:t>3</a:t>
-            </a:r>
-          </a:p>
-          <a:p>
-            <a:r>
-              <a:rPr lang="en-US" altLang="en-US" sz="2000" b="1" dirty="0"/>
-              <a:t>When in doubt, </a:t>
-            </a:r>
-            <a:br>
-              <a:rPr lang="en-US" altLang="en-US" sz="2000" b="1" dirty="0"/>
-            </a:br>
-            <a:r>
-              <a:rPr lang="en-US" altLang="en-US" sz="2000" b="1" dirty="0"/>
-              <a:t>see the examples.</a:t>
-            </a:r>
-          </a:p>
-          <a:p>
-            <a:r>
-              <a:rPr lang="en-US" altLang="en-US" sz="1800" dirty="0"/>
-              <a:t>For completed diagrams, go to the </a:t>
-            </a:r>
-            <a:r>
-              <a:rPr lang="en-US" altLang="en-US" sz="1800" dirty="0">
-                <a:solidFill>
-                  <a:schemeClr val="accent6"/>
-                </a:solidFill>
-                <a:hlinkClick r:id="" action="ppaction://noaction">
-                  <a:extLst>
-                    <a:ext uri="{A12FA001-AC4F-418D-AE19-62706E023703}">
-                      <ahyp:hlinkClr xmlns:ahyp="http://schemas.microsoft.com/office/drawing/2018/hyperlinkcolor" val="tx"/>
-                    </a:ext>
-                  </a:extLst>
-                </a:hlinkClick>
-              </a:rPr>
-              <a:t>example pages</a:t>
-            </a:r>
-            <a:r>
-              <a:rPr lang="en-US" altLang="en-US" sz="1800" dirty="0">
-                <a:solidFill>
-                  <a:schemeClr val="accent6"/>
-                </a:solidFill>
-              </a:rPr>
-              <a:t>.</a:t>
-            </a:r>
-            <a:r>
-              <a:rPr lang="en-US" altLang="en-US" sz="1800" dirty="0"/>
-              <a:t> If you’re having trouble with a particular layout or object, use these as a template.</a:t>
-            </a:r>
           </a:p>
         </p:txBody>
       </p:sp>
@@ -27688,7 +27406,7 @@
                 <a:latin typeface="Arial" panose="020B0604020202020204" pitchFamily="34" charset="0"/>
                 <a:cs typeface="Arial" panose="020B0604020202020204" pitchFamily="34" charset="0"/>
               </a:rPr>
-              <a:t>© 2023, Amazon Web Services, Inc. or its affiliates.</a:t>
+              <a:t>.</a:t>
             </a:r>
           </a:p>
         </p:txBody>
@@ -27714,19 +27432,44 @@
           <a:bodyPr/>
           <a:lstStyle/>
           <a:p>
-            <a:fld id="{EB4B8DE2-A4E8-46E4-8BBF-D75455EFF32C}" type="slidenum">
-              <a:rPr lang="en-US" smtClean="0"/>
-              <a:pPr/>
-              <a:t>10</a:t>
-            </a:fld>
-            <a:endParaRPr lang="en-US"/>
-          </a:p>
-        </p:txBody>
-      </p:sp>
+            <a:endParaRPr lang="en-US" dirty="0"/>
+          </a:p>
+        </p:txBody>
+      </p:sp>
+      <p:pic>
+        <p:nvPicPr>
+          <p:cNvPr id="7" name="Picture 6">
+            <a:extLst>
+              <a:ext uri="{FF2B5EF4-FFF2-40B4-BE49-F238E27FC236}">
+                <a16:creationId xmlns:a16="http://schemas.microsoft.com/office/drawing/2014/main" id="{DC71625E-614F-4191-1347-9DCF93A50FBF}"/>
+              </a:ext>
+            </a:extLst>
+          </p:cNvPr>
+          <p:cNvPicPr>
+            <a:picLocks noChangeAspect="1"/>
+          </p:cNvPicPr>
+          <p:nvPr/>
+        </p:nvPicPr>
+        <p:blipFill>
+          <a:blip r:embed="rId2"/>
+          <a:stretch>
+            <a:fillRect/>
+          </a:stretch>
+        </p:blipFill>
+        <p:spPr>
+          <a:xfrm>
+            <a:off x="267232" y="1190767"/>
+            <a:ext cx="8165062" cy="5172720"/>
+          </a:xfrm>
+          <a:prstGeom prst="rect">
+            <a:avLst/>
+          </a:prstGeom>
+        </p:spPr>
+      </p:pic>
     </p:spTree>
     <p:extLst>
       <p:ext uri="{BB962C8B-B14F-4D97-AF65-F5344CB8AC3E}">
-        <p14:creationId xmlns:p14="http://schemas.microsoft.com/office/powerpoint/2010/main" val="1508243469"/>
+        <p14:creationId xmlns:p14="http://schemas.microsoft.com/office/powerpoint/2010/main" val="398779547"/>
       </p:ext>
     </p:extLst>
   </p:cSld>
@@ -27739,14 +27482,6 @@
 <file path=ppt/slides/slide11.xml><?xml version="1.0" encoding="utf-8"?>
 <p:sld xmlns:a="http://schemas.openxmlformats.org/drawingml/2006/main" xmlns:r="http://schemas.openxmlformats.org/officeDocument/2006/relationships" xmlns:p="http://schemas.openxmlformats.org/presentationml/2006/main">
   <p:cSld>
-    <p:bg>
-      <p:bgPr>
-        <a:solidFill>
-          <a:schemeClr val="tx1"/>
-        </a:solidFill>
-        <a:effectLst/>
-      </p:bgPr>
-    </p:bg>
     <p:spTree>
       <p:nvGrpSpPr>
         <p:cNvPr id="1" name=""/>
@@ -27788,51 +27523,15 @@
             </a:r>
             <a:r>
               <a:rPr lang="en-US" altLang="en-US" dirty="0"/>
+              <a:t> Boards</a:t>
+            </a:r>
+            <a:br>
+              <a:rPr lang="en-US" altLang="en-US" dirty="0"/>
+            </a:br>
+            <a:r>
+              <a:rPr lang="en-US" altLang="en-US" dirty="0"/>
               <a:t> </a:t>
             </a:r>
-          </a:p>
-        </p:txBody>
-      </p:sp>
-      <p:sp>
-        <p:nvSpPr>
-          <p:cNvPr id="44034" name="Content Placeholder 5">
-            <a:extLst>
-              <a:ext uri="{FF2B5EF4-FFF2-40B4-BE49-F238E27FC236}">
-                <a16:creationId xmlns:a16="http://schemas.microsoft.com/office/drawing/2014/main" id="{E2F525D9-F783-7B40-850E-520CE425ACA7}"/>
-              </a:ext>
-            </a:extLst>
-          </p:cNvPr>
-          <p:cNvSpPr>
-            <a:spLocks noGrp="1" noChangeArrowheads="1"/>
-          </p:cNvSpPr>
-          <p:nvPr>
-            <p:ph type="body" sz="quarter" idx="13"/>
-          </p:nvPr>
-        </p:nvSpPr>
-        <p:spPr>
-          <a:xfrm>
-            <a:off x="151465" y="882723"/>
-            <a:ext cx="3602038" cy="4725987"/>
-          </a:xfrm>
-        </p:spPr>
-        <p:txBody>
-          <a:bodyPr/>
-          <a:lstStyle/>
-          <a:p>
-            <a:br>
-              <a:rPr lang="en-US" altLang="en-US" sz="1800" dirty="0"/>
-            </a:br>
-            <a:r>
-              <a:rPr lang="en-US" altLang="en-US" sz="1800" b="1" dirty="0">
-                <a:solidFill>
-                  <a:schemeClr val="accent1"/>
-                </a:solidFill>
-              </a:rPr>
-              <a:t>1 - Database</a:t>
-            </a:r>
-          </a:p>
-          <a:p>
-            <a:endParaRPr lang="en-US" altLang="en-US" dirty="0"/>
           </a:p>
         </p:txBody>
       </p:sp>
@@ -27884,54 +27583,6 @@
       </p:sp>
       <p:sp>
         <p:nvSpPr>
-          <p:cNvPr id="44036" name="Content Placeholder 7">
-            <a:extLst>
-              <a:ext uri="{FF2B5EF4-FFF2-40B4-BE49-F238E27FC236}">
-                <a16:creationId xmlns:a16="http://schemas.microsoft.com/office/drawing/2014/main" id="{1C310A59-4332-774B-8C5F-EE7C2B07B4B2}"/>
-              </a:ext>
-            </a:extLst>
-          </p:cNvPr>
-          <p:cNvSpPr>
-            <a:spLocks noGrp="1" noChangeArrowheads="1"/>
-          </p:cNvSpPr>
-          <p:nvPr>
-            <p:ph type="body" sz="quarter" idx="15"/>
-          </p:nvPr>
-        </p:nvSpPr>
-        <p:spPr>
-          <a:xfrm>
-            <a:off x="5613166" y="716325"/>
-            <a:ext cx="3602037" cy="4725987"/>
-          </a:xfrm>
-        </p:spPr>
-        <p:txBody>
-          <a:bodyPr/>
-          <a:lstStyle/>
-          <a:p>
-            <a:br>
-              <a:rPr lang="en-US" altLang="en-US" dirty="0"/>
-            </a:br>
-            <a:r>
-              <a:rPr lang="en-US" altLang="en-US" b="1" dirty="0">
-                <a:solidFill>
-                  <a:schemeClr val="accent1"/>
-                </a:solidFill>
-              </a:rPr>
-              <a:t>3</a:t>
-            </a:r>
-            <a:r>
-              <a:rPr lang="en-US" altLang="en-US" sz="2400" b="1" dirty="0">
-                <a:solidFill>
-                  <a:schemeClr val="accent1"/>
-                </a:solidFill>
-              </a:rPr>
-              <a:t> – Application  -Front/Back</a:t>
-            </a:r>
-          </a:p>
-        </p:txBody>
-      </p:sp>
-      <p:sp>
-        <p:nvSpPr>
           <p:cNvPr id="11" name="Footer Placeholder 10">
             <a:extLst>
               <a:ext uri="{FF2B5EF4-FFF2-40B4-BE49-F238E27FC236}">
@@ -27956,7 +27607,7 @@
                 <a:latin typeface="Arial" panose="020B0604020202020204" pitchFamily="34" charset="0"/>
                 <a:cs typeface="Arial" panose="020B0604020202020204" pitchFamily="34" charset="0"/>
               </a:rPr>
-              <a:t>© 2023, Amazon Web Services, Inc. or its affiliates.</a:t>
+              <a:t>.</a:t>
             </a:r>
           </a:p>
         </p:txBody>
@@ -27982,21 +27633,16 @@
           <a:bodyPr/>
           <a:lstStyle/>
           <a:p>
-            <a:fld id="{EB4B8DE2-A4E8-46E4-8BBF-D75455EFF32C}" type="slidenum">
-              <a:rPr lang="en-US" smtClean="0"/>
-              <a:pPr/>
-              <a:t>11</a:t>
-            </a:fld>
-            <a:endParaRPr lang="en-US"/>
+            <a:endParaRPr lang="en-US" dirty="0"/>
           </a:p>
         </p:txBody>
       </p:sp>
       <p:pic>
         <p:nvPicPr>
-          <p:cNvPr id="35" name="Picture 34">
-            <a:extLst>
-              <a:ext uri="{FF2B5EF4-FFF2-40B4-BE49-F238E27FC236}">
-                <a16:creationId xmlns:a16="http://schemas.microsoft.com/office/drawing/2014/main" id="{7F98F57F-1FD1-95EC-A7CA-3482E7EE095A}"/>
+          <p:cNvPr id="4" name="Picture 3">
+            <a:extLst>
+              <a:ext uri="{FF2B5EF4-FFF2-40B4-BE49-F238E27FC236}">
+                <a16:creationId xmlns:a16="http://schemas.microsoft.com/office/drawing/2014/main" id="{71200253-3634-B8D0-BA9F-35E783E4E949}"/>
               </a:ext>
             </a:extLst>
           </p:cNvPr>
@@ -28013,248 +27659,8 @@
         </p:blipFill>
         <p:spPr>
           <a:xfrm>
-            <a:off x="363818" y="1690010"/>
-            <a:ext cx="2119327" cy="769129"/>
-          </a:xfrm>
-          <a:prstGeom prst="rect">
-            <a:avLst/>
-          </a:prstGeom>
-        </p:spPr>
-      </p:pic>
-      <p:pic>
-        <p:nvPicPr>
-          <p:cNvPr id="37" name="Picture 36">
-            <a:extLst>
-              <a:ext uri="{FF2B5EF4-FFF2-40B4-BE49-F238E27FC236}">
-                <a16:creationId xmlns:a16="http://schemas.microsoft.com/office/drawing/2014/main" id="{E24EA098-A81D-F584-47AF-CEC18073E683}"/>
-              </a:ext>
-            </a:extLst>
-          </p:cNvPr>
-          <p:cNvPicPr>
-            <a:picLocks noChangeAspect="1"/>
-          </p:cNvPicPr>
-          <p:nvPr/>
-        </p:nvPicPr>
-        <p:blipFill>
-          <a:blip r:embed="rId3"/>
-          <a:stretch>
-            <a:fillRect/>
-          </a:stretch>
-        </p:blipFill>
-        <p:spPr>
-          <a:xfrm>
-            <a:off x="363818" y="2624411"/>
-            <a:ext cx="2119327" cy="800041"/>
-          </a:xfrm>
-          <a:prstGeom prst="rect">
-            <a:avLst/>
-          </a:prstGeom>
-        </p:spPr>
-      </p:pic>
-      <p:pic>
-        <p:nvPicPr>
-          <p:cNvPr id="39" name="Picture 38">
-            <a:extLst>
-              <a:ext uri="{FF2B5EF4-FFF2-40B4-BE49-F238E27FC236}">
-                <a16:creationId xmlns:a16="http://schemas.microsoft.com/office/drawing/2014/main" id="{1D7C9477-E87A-7CF5-01E2-D1ED97F2DF3F}"/>
-              </a:ext>
-            </a:extLst>
-          </p:cNvPr>
-          <p:cNvPicPr>
-            <a:picLocks noChangeAspect="1"/>
-          </p:cNvPicPr>
-          <p:nvPr/>
-        </p:nvPicPr>
-        <p:blipFill>
-          <a:blip r:embed="rId4"/>
-          <a:stretch>
-            <a:fillRect/>
-          </a:stretch>
-        </p:blipFill>
-        <p:spPr>
-          <a:xfrm>
-            <a:off x="363818" y="3589724"/>
-            <a:ext cx="2119327" cy="996741"/>
-          </a:xfrm>
-          <a:prstGeom prst="rect">
-            <a:avLst/>
-          </a:prstGeom>
-        </p:spPr>
-      </p:pic>
-      <p:pic>
-        <p:nvPicPr>
-          <p:cNvPr id="41" name="Picture 40">
-            <a:extLst>
-              <a:ext uri="{FF2B5EF4-FFF2-40B4-BE49-F238E27FC236}">
-                <a16:creationId xmlns:a16="http://schemas.microsoft.com/office/drawing/2014/main" id="{B97478E5-745B-296D-1D69-EE15D63C291E}"/>
-              </a:ext>
-            </a:extLst>
-          </p:cNvPr>
-          <p:cNvPicPr>
-            <a:picLocks noChangeAspect="1"/>
-          </p:cNvPicPr>
-          <p:nvPr/>
-        </p:nvPicPr>
-        <p:blipFill>
-          <a:blip r:embed="rId5"/>
-          <a:stretch>
-            <a:fillRect/>
-          </a:stretch>
-        </p:blipFill>
-        <p:spPr>
-          <a:xfrm>
-            <a:off x="2876083" y="1690010"/>
-            <a:ext cx="2331680" cy="1089513"/>
-          </a:xfrm>
-          <a:prstGeom prst="rect">
-            <a:avLst/>
-          </a:prstGeom>
-        </p:spPr>
-      </p:pic>
-      <p:pic>
-        <p:nvPicPr>
-          <p:cNvPr id="43" name="Picture 42">
-            <a:extLst>
-              <a:ext uri="{FF2B5EF4-FFF2-40B4-BE49-F238E27FC236}">
-                <a16:creationId xmlns:a16="http://schemas.microsoft.com/office/drawing/2014/main" id="{118258DF-7364-A818-9CA2-0B2CDC447D57}"/>
-              </a:ext>
-            </a:extLst>
-          </p:cNvPr>
-          <p:cNvPicPr>
-            <a:picLocks noChangeAspect="1"/>
-          </p:cNvPicPr>
-          <p:nvPr/>
-        </p:nvPicPr>
-        <p:blipFill>
-          <a:blip r:embed="rId6"/>
-          <a:stretch>
-            <a:fillRect/>
-          </a:stretch>
-        </p:blipFill>
-        <p:spPr>
-          <a:xfrm>
-            <a:off x="2878625" y="3079319"/>
-            <a:ext cx="2239303" cy="920023"/>
-          </a:xfrm>
-          <a:prstGeom prst="rect">
-            <a:avLst/>
-          </a:prstGeom>
-        </p:spPr>
-      </p:pic>
-      <p:pic>
-        <p:nvPicPr>
-          <p:cNvPr id="47" name="Picture 46">
-            <a:extLst>
-              <a:ext uri="{FF2B5EF4-FFF2-40B4-BE49-F238E27FC236}">
-                <a16:creationId xmlns:a16="http://schemas.microsoft.com/office/drawing/2014/main" id="{A046B240-8906-CC36-3FCD-019A29498AE8}"/>
-              </a:ext>
-            </a:extLst>
-          </p:cNvPr>
-          <p:cNvPicPr>
-            <a:picLocks noChangeAspect="1"/>
-          </p:cNvPicPr>
-          <p:nvPr/>
-        </p:nvPicPr>
-        <p:blipFill>
-          <a:blip r:embed="rId7"/>
-          <a:stretch>
-            <a:fillRect/>
-          </a:stretch>
-        </p:blipFill>
-        <p:spPr>
-          <a:xfrm>
-            <a:off x="5613167" y="3138686"/>
-            <a:ext cx="2308991" cy="1089513"/>
-          </a:xfrm>
-          <a:prstGeom prst="rect">
-            <a:avLst/>
-          </a:prstGeom>
-        </p:spPr>
-      </p:pic>
-      <p:pic>
-        <p:nvPicPr>
-          <p:cNvPr id="49" name="Picture 48">
-            <a:extLst>
-              <a:ext uri="{FF2B5EF4-FFF2-40B4-BE49-F238E27FC236}">
-                <a16:creationId xmlns:a16="http://schemas.microsoft.com/office/drawing/2014/main" id="{2CF14387-32C2-02C5-0444-E7F68378BF54}"/>
-              </a:ext>
-            </a:extLst>
-          </p:cNvPr>
-          <p:cNvPicPr>
-            <a:picLocks noChangeAspect="1"/>
-          </p:cNvPicPr>
-          <p:nvPr/>
-        </p:nvPicPr>
-        <p:blipFill>
-          <a:blip r:embed="rId8"/>
-          <a:stretch>
-            <a:fillRect/>
-          </a:stretch>
-        </p:blipFill>
-        <p:spPr>
-          <a:xfrm>
-            <a:off x="5570414" y="4509911"/>
-            <a:ext cx="2395031" cy="1130951"/>
-          </a:xfrm>
-          <a:prstGeom prst="rect">
-            <a:avLst/>
-          </a:prstGeom>
-        </p:spPr>
-      </p:pic>
-      <p:pic>
-        <p:nvPicPr>
-          <p:cNvPr id="51" name="Picture 50">
-            <a:extLst>
-              <a:ext uri="{FF2B5EF4-FFF2-40B4-BE49-F238E27FC236}">
-                <a16:creationId xmlns:a16="http://schemas.microsoft.com/office/drawing/2014/main" id="{2BB50A47-253E-1203-065F-87D36143CA05}"/>
-              </a:ext>
-            </a:extLst>
-          </p:cNvPr>
-          <p:cNvPicPr>
-            <a:picLocks noChangeAspect="1"/>
-          </p:cNvPicPr>
-          <p:nvPr/>
-        </p:nvPicPr>
-        <p:blipFill>
-          <a:blip r:embed="rId9"/>
-          <a:stretch>
-            <a:fillRect/>
-          </a:stretch>
-        </p:blipFill>
-        <p:spPr>
-          <a:xfrm>
-            <a:off x="8508700" y="1898604"/>
-            <a:ext cx="2881531" cy="1335758"/>
-          </a:xfrm>
-          <a:prstGeom prst="rect">
-            <a:avLst/>
-          </a:prstGeom>
-        </p:spPr>
-      </p:pic>
-      <p:pic>
-        <p:nvPicPr>
-          <p:cNvPr id="4" name="Picture 3">
-            <a:extLst>
-              <a:ext uri="{FF2B5EF4-FFF2-40B4-BE49-F238E27FC236}">
-                <a16:creationId xmlns:a16="http://schemas.microsoft.com/office/drawing/2014/main" id="{3293BF49-F96C-B6E3-8417-73968B53A3F7}"/>
-              </a:ext>
-            </a:extLst>
-          </p:cNvPr>
-          <p:cNvPicPr>
-            <a:picLocks noChangeAspect="1"/>
-          </p:cNvPicPr>
-          <p:nvPr/>
-        </p:nvPicPr>
-        <p:blipFill>
-          <a:blip r:embed="rId10"/>
-          <a:stretch>
-            <a:fillRect/>
-          </a:stretch>
-        </p:blipFill>
-        <p:spPr>
-          <a:xfrm>
-            <a:off x="4687809" y="3234362"/>
-            <a:ext cx="6683103" cy="3336311"/>
+            <a:off x="637309" y="1190767"/>
+            <a:ext cx="10917382" cy="5475802"/>
           </a:xfrm>
           <a:prstGeom prst="rect">
             <a:avLst/>
@@ -28264,7 +27670,7 @@
     </p:spTree>
     <p:extLst>
       <p:ext uri="{BB962C8B-B14F-4D97-AF65-F5344CB8AC3E}">
-        <p14:creationId xmlns:p14="http://schemas.microsoft.com/office/powerpoint/2010/main" val="289152561"/>
+        <p14:creationId xmlns:p14="http://schemas.microsoft.com/office/powerpoint/2010/main" val="2646656047"/>
       </p:ext>
     </p:extLst>
   </p:cSld>
@@ -30970,7 +30376,7 @@
         <p:spPr bwMode="auto">
           <a:xfrm>
             <a:off x="438319" y="962034"/>
-            <a:ext cx="9703019" cy="7484100"/>
+            <a:ext cx="9703019" cy="6986528"/>
           </a:xfrm>
           <a:prstGeom prst="rect">
             <a:avLst/>
@@ -31273,6 +30679,23 @@
               <a:defRPr/>
             </a:pPr>
             <a:r>
+              <a:rPr kumimoji="0" lang="en-US" sz="2400" b="0" i="0" u="none" strike="noStrike" kern="1200" cap="none" spc="0" normalizeH="0" baseline="0" noProof="0" dirty="0" err="1">
+                <a:ln>
+                  <a:noFill/>
+                </a:ln>
+                <a:solidFill>
+                  <a:srgbClr val="F1F3F3"/>
+                </a:solidFill>
+                <a:effectLst/>
+                <a:uLnTx/>
+                <a:uFillTx/>
+                <a:latin typeface="-apple-system"/>
+                <a:ea typeface="+mn-ea"/>
+                <a:cs typeface="Arial" panose="020B0604020202020204" pitchFamily="34" charset="0"/>
+              </a:rPr>
+              <a:t>VsCode</a:t>
+            </a:r>
+            <a:r>
               <a:rPr kumimoji="0" lang="en-US" sz="2400" b="0" i="0" u="none" strike="noStrike" kern="1200" cap="none" spc="0" normalizeH="0" baseline="0" noProof="0" dirty="0">
                 <a:ln>
                   <a:noFill/>
@@ -31287,7 +30710,7 @@
                 <a:ea typeface="+mn-ea"/>
                 <a:cs typeface="Arial" panose="020B0604020202020204" pitchFamily="34" charset="0"/>
               </a:rPr>
-              <a:t>Git Hub Actions – Deploy –CI/CD</a:t>
+              <a:t> – Create/Edit</a:t>
             </a:r>
           </a:p>
           <a:p>
@@ -31323,41 +30746,7 @@
                 <a:ea typeface="+mn-ea"/>
                 <a:cs typeface="Arial" panose="020B0604020202020204" pitchFamily="34" charset="0"/>
               </a:rPr>
-              <a:t> </a:t>
-            </a:r>
-            <a:r>
-              <a:rPr kumimoji="0" lang="en-US" sz="2400" b="0" i="0" u="none" strike="noStrike" kern="1200" cap="none" spc="0" normalizeH="0" baseline="0" noProof="0" dirty="0" err="1">
-                <a:ln>
-                  <a:noFill/>
-                </a:ln>
-                <a:solidFill>
-                  <a:srgbClr val="F1F3F3"/>
-                </a:solidFill>
-                <a:effectLst/>
-                <a:uLnTx/>
-                <a:uFillTx/>
-                <a:latin typeface="-apple-system"/>
-                <a:ea typeface="+mn-ea"/>
-                <a:cs typeface="Arial" panose="020B0604020202020204" pitchFamily="34" charset="0"/>
-              </a:rPr>
-              <a:t>VsCode</a:t>
-            </a:r>
-            <a:r>
-              <a:rPr kumimoji="0" lang="en-US" sz="2400" b="0" i="0" u="none" strike="noStrike" kern="1200" cap="none" spc="0" normalizeH="0" baseline="0" noProof="0" dirty="0">
-                <a:ln>
-                  <a:noFill/>
-                </a:ln>
-                <a:solidFill>
-                  <a:srgbClr val="F1F3F3"/>
-                </a:solidFill>
-                <a:effectLst/>
-                <a:uLnTx/>
-                <a:uFillTx/>
-                <a:latin typeface="-apple-system"/>
-                <a:ea typeface="+mn-ea"/>
-                <a:cs typeface="Arial" panose="020B0604020202020204" pitchFamily="34" charset="0"/>
-              </a:rPr>
-              <a:t> – Create/Edit</a:t>
+              <a:t>Terraform v:1.7.4(latest),</a:t>
             </a:r>
           </a:p>
           <a:p>
@@ -31393,7 +30782,7 @@
                 <a:ea typeface="+mn-ea"/>
                 <a:cs typeface="Arial" panose="020B0604020202020204" pitchFamily="34" charset="0"/>
               </a:rPr>
-              <a:t>Terraform v:1.7.4(latest),</a:t>
+              <a:t>Account Azure,  Kubernetes AKS </a:t>
             </a:r>
           </a:p>
           <a:p>
@@ -31429,7 +30818,75 @@
                 <a:ea typeface="+mn-ea"/>
                 <a:cs typeface="Arial" panose="020B0604020202020204" pitchFamily="34" charset="0"/>
               </a:rPr>
-              <a:t>Account Azure, </a:t>
+              <a:t>Azure </a:t>
+            </a:r>
+            <a:r>
+              <a:rPr kumimoji="0" lang="en-US" sz="2400" b="0" i="0" u="none" strike="noStrike" kern="1200" cap="none" spc="0" normalizeH="0" baseline="0" noProof="0" dirty="0" err="1">
+                <a:ln>
+                  <a:noFill/>
+                </a:ln>
+                <a:solidFill>
+                  <a:srgbClr val="F1F3F3"/>
+                </a:solidFill>
+                <a:effectLst/>
+                <a:uLnTx/>
+                <a:uFillTx/>
+                <a:latin typeface="-apple-system"/>
+                <a:ea typeface="+mn-ea"/>
+                <a:cs typeface="Arial" panose="020B0604020202020204" pitchFamily="34" charset="0"/>
+              </a:rPr>
+              <a:t>Devops</a:t>
+            </a:r>
+            <a:r>
+              <a:rPr kumimoji="0" lang="en-US" sz="2400" b="0" i="0" u="none" strike="noStrike" kern="1200" cap="none" spc="0" normalizeH="0" baseline="0" noProof="0" dirty="0">
+                <a:ln>
+                  <a:noFill/>
+                </a:ln>
+                <a:solidFill>
+                  <a:srgbClr val="F1F3F3"/>
+                </a:solidFill>
+                <a:effectLst/>
+                <a:uLnTx/>
+                <a:uFillTx/>
+                <a:latin typeface="-apple-system"/>
+                <a:ea typeface="+mn-ea"/>
+                <a:cs typeface="Arial" panose="020B0604020202020204" pitchFamily="34" charset="0"/>
+              </a:rPr>
+              <a:t> – Boards –</a:t>
+            </a:r>
+            <a:r>
+              <a:rPr kumimoji="0" lang="en-US" sz="2400" b="0" i="0" u="none" strike="noStrike" kern="1200" cap="none" spc="0" normalizeH="0" baseline="0" noProof="0" dirty="0" err="1">
+                <a:ln>
+                  <a:noFill/>
+                </a:ln>
+                <a:solidFill>
+                  <a:srgbClr val="F1F3F3"/>
+                </a:solidFill>
+                <a:effectLst/>
+                <a:uLnTx/>
+                <a:uFillTx/>
+                <a:latin typeface="-apple-system"/>
+                <a:ea typeface="+mn-ea"/>
+                <a:cs typeface="Arial" panose="020B0604020202020204" pitchFamily="34" charset="0"/>
+              </a:rPr>
+              <a:t>TaskList</a:t>
+            </a:r>
+            <a:r>
+              <a:rPr kumimoji="0" lang="en-US" sz="2400" b="0" i="0" u="none" strike="noStrike" kern="1200" cap="none" spc="0" normalizeH="0" baseline="0" noProof="0" dirty="0">
+                <a:ln>
+                  <a:noFill/>
+                </a:ln>
+                <a:solidFill>
+                  <a:srgbClr val="F1F3F3"/>
+                </a:solidFill>
+                <a:effectLst/>
+                <a:uLnTx/>
+                <a:uFillTx/>
+                <a:latin typeface="-apple-system"/>
+                <a:ea typeface="+mn-ea"/>
+                <a:cs typeface="Arial" panose="020B0604020202020204" pitchFamily="34" charset="0"/>
+              </a:rPr>
+              <a:t> Organization</a:t>
             </a:r>
           </a:p>
           <a:p>
@@ -31465,7 +30922,7 @@
                 <a:ea typeface="+mn-ea"/>
                 <a:cs typeface="Arial" panose="020B0604020202020204" pitchFamily="34" charset="0"/>
               </a:rPr>
-              <a:t>Terraform Workspace API Secrets (</a:t>
+              <a:t>GitHub – </a:t>
             </a:r>
             <a:r>
               <a:rPr kumimoji="0" lang="en-US" sz="2400" b="0" i="0" u="none" strike="noStrike" kern="1200" cap="none" spc="0" normalizeH="0" baseline="0" noProof="0" dirty="0" err="1">
@@ -31482,25 +30939,22 @@
                 <a:ea typeface="+mn-ea"/>
                 <a:cs typeface="Arial" panose="020B0604020202020204" pitchFamily="34" charset="0"/>
               </a:rPr>
-              <a:t>Terradorm</a:t>
-            </a:r>
-            <a:r>
-              <a:rPr kumimoji="0" lang="en-US" sz="2400" b="0" i="0" u="none" strike="noStrike" kern="1200" cap="none" spc="0" normalizeH="0" baseline="0" noProof="0" dirty="0">
-                <a:ln>
-                  <a:noFill/>
-                </a:ln>
-                <a:solidFill>
-                  <a:srgbClr val="F1F3F3"/>
-                </a:solidFill>
-                <a:effectLst/>
-                <a:uLnTx/>
-                <a:uFillTx/>
-                <a:latin typeface="-apple-system"/>
-                <a:ea typeface="+mn-ea"/>
-                <a:cs typeface="Arial" panose="020B0604020202020204" pitchFamily="34" charset="0"/>
-              </a:rPr>
-              <a:t> Cloud)</a:t>
-            </a:r>
+              <a:t>PushCode</a:t>
+            </a:r>
+            <a:endParaRPr kumimoji="0" lang="en-US" sz="2400" b="0" i="0" u="none" strike="noStrike" kern="1200" cap="none" spc="0" normalizeH="0" baseline="0" noProof="0" dirty="0">
+              <a:ln>
+                <a:noFill/>
+              </a:ln>
+              <a:solidFill>
+                <a:srgbClr val="F1F3F3"/>
+              </a:solidFill>
+              <a:effectLst/>
+              <a:uLnTx/>
+              <a:uFillTx/>
+              <a:latin typeface="-apple-system"/>
+              <a:ea typeface="+mn-ea"/>
+              <a:cs typeface="Arial" panose="020B0604020202020204" pitchFamily="34" charset="0"/>
+            </a:endParaRPr>
           </a:p>
           <a:p>
             <a:pPr marL="0" marR="0" lvl="0" indent="0" algn="l" defTabSz="914400" rtl="0" eaLnBrk="0" fontAlgn="base" latinLnBrk="0" hangingPunct="0">
@@ -31535,7 +30989,7 @@
                 <a:ea typeface="+mn-ea"/>
                 <a:cs typeface="Arial" panose="020B0604020202020204" pitchFamily="34" charset="0"/>
               </a:rPr>
-              <a:t>Azure </a:t>
+              <a:t>Api: </a:t>
             </a:r>
             <a:r>
               <a:rPr kumimoji="0" lang="en-US" sz="2400" b="0" i="0" u="none" strike="noStrike" kern="1200" cap="none" spc="0" normalizeH="0" baseline="0" noProof="0" dirty="0" err="1">
@@ -31552,7 +31006,7 @@
                 <a:ea typeface="+mn-ea"/>
                 <a:cs typeface="Arial" panose="020B0604020202020204" pitchFamily="34" charset="0"/>
               </a:rPr>
-              <a:t>Devops</a:t>
+              <a:t>AspNetCore</a:t>
             </a:r>
             <a:r>
               <a:rPr kumimoji="0" lang="en-US" sz="2400" b="0" i="0" u="none" strike="noStrike" kern="1200" cap="none" spc="0" normalizeH="0" baseline="0" noProof="0" dirty="0">
@@ -31569,41 +31023,7 @@
                 <a:ea typeface="+mn-ea"/>
                 <a:cs typeface="Arial" panose="020B0604020202020204" pitchFamily="34" charset="0"/>
               </a:rPr>
-              <a:t> – Boards –</a:t>
-            </a:r>
-            <a:r>
-              <a:rPr kumimoji="0" lang="en-US" sz="2400" b="0" i="0" u="none" strike="noStrike" kern="1200" cap="none" spc="0" normalizeH="0" baseline="0" noProof="0" dirty="0" err="1">
-                <a:ln>
-                  <a:noFill/>
-                </a:ln>
-                <a:solidFill>
-                  <a:srgbClr val="F1F3F3"/>
-                </a:solidFill>
-                <a:effectLst/>
-                <a:uLnTx/>
-                <a:uFillTx/>
-                <a:latin typeface="-apple-system"/>
-                <a:ea typeface="+mn-ea"/>
-                <a:cs typeface="Arial" panose="020B0604020202020204" pitchFamily="34" charset="0"/>
-              </a:rPr>
-              <a:t>TaskList</a:t>
-            </a:r>
-            <a:r>
-              <a:rPr kumimoji="0" lang="en-US" sz="2400" b="0" i="0" u="none" strike="noStrike" kern="1200" cap="none" spc="0" normalizeH="0" baseline="0" noProof="0" dirty="0">
-                <a:ln>
-                  <a:noFill/>
-                </a:ln>
-                <a:solidFill>
-                  <a:srgbClr val="F1F3F3"/>
-                </a:solidFill>
-                <a:effectLst/>
-                <a:uLnTx/>
-                <a:uFillTx/>
-                <a:latin typeface="-apple-system"/>
-                <a:ea typeface="+mn-ea"/>
-                <a:cs typeface="Arial" panose="020B0604020202020204" pitchFamily="34" charset="0"/>
-              </a:rPr>
-              <a:t> Organization</a:t>
+              <a:t> 5</a:t>
             </a:r>
           </a:p>
           <a:p>
@@ -31625,53 +31045,32 @@
               <a:defRPr/>
             </a:pPr>
             <a:r>
-              <a:rPr kumimoji="0" lang="en-US" sz="2400" b="0" i="0" u="none" strike="noStrike" kern="1200" cap="none" spc="0" normalizeH="0" baseline="0" noProof="0" dirty="0">
-                <a:ln>
-                  <a:noFill/>
-                </a:ln>
+              <a:rPr lang="en-US" sz="2400" dirty="0">
                 <a:solidFill>
                   <a:srgbClr val="F1F3F3"/>
                 </a:solidFill>
-                <a:effectLst/>
-                <a:uLnTx/>
-                <a:uFillTx/>
                 <a:latin typeface="-apple-system"/>
-                <a:ea typeface="+mn-ea"/>
-                <a:cs typeface="Arial" panose="020B0604020202020204" pitchFamily="34" charset="0"/>
               </a:rPr>
-              <a:t>GitHub – </a:t>
-            </a:r>
-            <a:r>
-              <a:rPr kumimoji="0" lang="en-US" sz="2400" b="0" i="0" u="none" strike="noStrike" kern="1200" cap="none" spc="0" normalizeH="0" baseline="0" noProof="0" dirty="0" err="1">
-                <a:ln>
-                  <a:noFill/>
-                </a:ln>
+              <a:t>Database: </a:t>
+            </a:r>
+            <a:r>
+              <a:rPr lang="en-US" sz="2400" dirty="0" err="1">
                 <a:solidFill>
                   <a:srgbClr val="F1F3F3"/>
                 </a:solidFill>
-                <a:effectLst/>
-                <a:uLnTx/>
-                <a:uFillTx/>
                 <a:latin typeface="-apple-system"/>
-                <a:ea typeface="+mn-ea"/>
-                <a:cs typeface="Arial" panose="020B0604020202020204" pitchFamily="34" charset="0"/>
               </a:rPr>
-              <a:t>PushCode</a:t>
-            </a:r>
-            <a:endParaRPr kumimoji="0" lang="en-US" sz="2400" b="0" i="0" u="none" strike="noStrike" kern="1200" cap="none" spc="0" normalizeH="0" baseline="0" noProof="0" dirty="0">
-              <a:ln>
-                <a:noFill/>
-              </a:ln>
-              <a:solidFill>
-                <a:srgbClr val="F1F3F3"/>
-              </a:solidFill>
-              <a:effectLst/>
-              <a:uLnTx/>
-              <a:uFillTx/>
-              <a:latin typeface="-apple-system"/>
-              <a:ea typeface="+mn-ea"/>
-              <a:cs typeface="Arial" panose="020B0604020202020204" pitchFamily="34" charset="0"/>
-            </a:endParaRPr>
+              <a:t>Mysq</a:t>
+            </a:r>
+            <a:r>
+              <a:rPr lang="en-US" sz="2400" dirty="0">
+                <a:solidFill>
+                  <a:srgbClr val="F1F3F3"/>
+                </a:solidFill>
+                <a:latin typeface="-apple-system"/>
+              </a:rPr>
+              <a:t> 8</a:t>
+            </a:r>
           </a:p>
           <a:p>
             <a:pPr marL="0" marR="0" lvl="0" indent="0" algn="l" defTabSz="914400" rtl="0" eaLnBrk="0" fontAlgn="base" latinLnBrk="0" hangingPunct="0">
@@ -31691,103 +31090,6 @@
               <a:tabLst/>
               <a:defRPr/>
             </a:pPr>
-            <a:r>
-              <a:rPr kumimoji="0" lang="en-US" sz="2400" b="0" i="0" u="none" strike="noStrike" kern="1200" cap="none" spc="0" normalizeH="0" baseline="0" noProof="0" dirty="0">
-                <a:ln>
-                  <a:noFill/>
-                </a:ln>
-                <a:solidFill>
-                  <a:srgbClr val="F1F3F3"/>
-                </a:solidFill>
-                <a:effectLst/>
-                <a:uLnTx/>
-                <a:uFillTx/>
-                <a:latin typeface="-apple-system"/>
-                <a:ea typeface="+mn-ea"/>
-                <a:cs typeface="Arial" panose="020B0604020202020204" pitchFamily="34" charset="0"/>
-              </a:rPr>
-              <a:t>Api: </a:t>
-            </a:r>
-            <a:r>
-              <a:rPr kumimoji="0" lang="en-US" sz="2400" b="0" i="0" u="none" strike="noStrike" kern="1200" cap="none" spc="0" normalizeH="0" baseline="0" noProof="0" dirty="0" err="1">
-                <a:ln>
-                  <a:noFill/>
-                </a:ln>
-                <a:solidFill>
-                  <a:srgbClr val="F1F3F3"/>
-                </a:solidFill>
-                <a:effectLst/>
-                <a:uLnTx/>
-                <a:uFillTx/>
-                <a:latin typeface="-apple-system"/>
-                <a:ea typeface="+mn-ea"/>
-                <a:cs typeface="Arial" panose="020B0604020202020204" pitchFamily="34" charset="0"/>
-              </a:rPr>
-              <a:t>AspNetCore</a:t>
-            </a:r>
-            <a:r>
-              <a:rPr kumimoji="0" lang="en-US" sz="2400" b="0" i="0" u="none" strike="noStrike" kern="1200" cap="none" spc="0" normalizeH="0" baseline="0" noProof="0" dirty="0">
-                <a:ln>
-                  <a:noFill/>
-                </a:ln>
-                <a:solidFill>
-                  <a:srgbClr val="F1F3F3"/>
-                </a:solidFill>
-                <a:effectLst/>
-                <a:uLnTx/>
-                <a:uFillTx/>
-                <a:latin typeface="-apple-system"/>
-                <a:ea typeface="+mn-ea"/>
-                <a:cs typeface="Arial" panose="020B0604020202020204" pitchFamily="34" charset="0"/>
-              </a:rPr>
-              <a:t> 5</a:t>
-            </a:r>
-          </a:p>
-          <a:p>
-            <a:pPr marL="0" marR="0" lvl="0" indent="0" algn="l" defTabSz="914400" rtl="0" eaLnBrk="0" fontAlgn="base" latinLnBrk="0" hangingPunct="0">
-              <a:lnSpc>
-                <a:spcPct val="100000"/>
-              </a:lnSpc>
-              <a:spcBef>
-                <a:spcPts val="1000"/>
-              </a:spcBef>
-              <a:spcAft>
-                <a:spcPts val="0"/>
-              </a:spcAft>
-              <a:buClrTx/>
-              <a:buSzTx/>
-              <a:buFont typeface="Arial" panose="020B0604020202020204" pitchFamily="34" charset="0"/>
-              <a:buNone/>
-              <a:tabLst/>
-              <a:defRPr/>
-            </a:pPr>
-            <a:r>
-              <a:rPr lang="en-US" sz="2400" dirty="0">
-                <a:solidFill>
-                  <a:srgbClr val="F1F3F3"/>
-                </a:solidFill>
-                <a:latin typeface="-apple-system"/>
-              </a:rPr>
-              <a:t>Database: </a:t>
-            </a:r>
-            <a:r>
-              <a:rPr lang="en-US" sz="2400" dirty="0" err="1">
-                <a:solidFill>
-                  <a:srgbClr val="F1F3F3"/>
-                </a:solidFill>
-                <a:latin typeface="-apple-system"/>
-              </a:rPr>
-              <a:t>Mysq</a:t>
-            </a:r>
-            <a:r>
-              <a:rPr lang="en-US" sz="2400" dirty="0">
-                <a:solidFill>
-                  <a:srgbClr val="F1F3F3"/>
-                </a:solidFill>
-                <a:latin typeface="-apple-system"/>
-              </a:rPr>
-              <a:t> 8</a:t>
-            </a:r>
             <a:endParaRPr kumimoji="0" lang="en-US" sz="2400" b="0" i="0" u="none" strike="noStrike" kern="1200" cap="none" spc="0" normalizeH="0" baseline="0" noProof="0" dirty="0">
               <a:ln>
                 <a:noFill/>
@@ -31921,322 +31223,6 @@
 </file>
 
 <file path=ppt/slides/slide5.xml><?xml version="1.0" encoding="utf-8"?>
-<p:sld xmlns:a="http://schemas.openxmlformats.org/drawingml/2006/main" xmlns:r="http://schemas.openxmlformats.org/officeDocument/2006/relationships" xmlns:p="http://schemas.openxmlformats.org/presentationml/2006/main">
-  <p:cSld>
-    <p:spTree>
-      <p:nvGrpSpPr>
-        <p:cNvPr id="1" name=""/>
-        <p:cNvGrpSpPr/>
-        <p:nvPr/>
-      </p:nvGrpSpPr>
-      <p:grpSpPr>
-        <a:xfrm>
-          <a:off x="0" y="0"/>
-          <a:ext cx="0" cy="0"/>
-          <a:chOff x="0" y="0"/>
-          <a:chExt cx="0" cy="0"/>
-        </a:xfrm>
-      </p:grpSpPr>
-      <p:sp>
-        <p:nvSpPr>
-          <p:cNvPr id="43009" name="Title 3">
-            <a:extLst>
-              <a:ext uri="{FF2B5EF4-FFF2-40B4-BE49-F238E27FC236}">
-                <a16:creationId xmlns:a16="http://schemas.microsoft.com/office/drawing/2014/main" id="{DEC6C95F-3B4F-2641-BC0E-CAA65127A232}"/>
-              </a:ext>
-            </a:extLst>
-          </p:cNvPr>
-          <p:cNvSpPr>
-            <a:spLocks noGrp="1" noChangeArrowheads="1"/>
-          </p:cNvSpPr>
-          <p:nvPr>
-            <p:ph type="title"/>
-          </p:nvPr>
-        </p:nvSpPr>
-        <p:spPr>
-          <a:xfrm>
-            <a:off x="21378" y="-51494"/>
-            <a:ext cx="11709400" cy="644525"/>
-          </a:xfrm>
-        </p:spPr>
-        <p:txBody>
-          <a:bodyPr/>
-          <a:lstStyle/>
-          <a:p>
-            <a:r>
-              <a:rPr lang="en-US" altLang="en-US" sz="1200" dirty="0"/>
-              <a:t>Architecture</a:t>
-            </a:r>
-          </a:p>
-        </p:txBody>
-      </p:sp>
-      <p:sp>
-        <p:nvSpPr>
-          <p:cNvPr id="43010" name="Content Placeholder 4">
-            <a:extLst>
-              <a:ext uri="{FF2B5EF4-FFF2-40B4-BE49-F238E27FC236}">
-                <a16:creationId xmlns:a16="http://schemas.microsoft.com/office/drawing/2014/main" id="{2AF10547-B527-224B-A06C-98ECD4EB7F61}"/>
-              </a:ext>
-            </a:extLst>
-          </p:cNvPr>
-          <p:cNvSpPr>
-            <a:spLocks noGrp="1" noChangeArrowheads="1"/>
-          </p:cNvSpPr>
-          <p:nvPr>
-            <p:ph type="body" sz="quarter" idx="11"/>
-          </p:nvPr>
-        </p:nvSpPr>
-        <p:spPr>
-          <a:xfrm>
-            <a:off x="162161" y="614358"/>
-            <a:ext cx="1413228" cy="2048214"/>
-          </a:xfrm>
-        </p:spPr>
-        <p:txBody>
-          <a:bodyPr/>
-          <a:lstStyle/>
-          <a:p>
-            <a:r>
-              <a:rPr lang="en-US" altLang="en-US" sz="800" dirty="0"/>
-              <a:t>Architecture diagrams </a:t>
-            </a:r>
-            <a:r>
-              <a:rPr lang="en-US" altLang="en-US" sz="800" dirty="0" err="1"/>
-              <a:t>Envolved</a:t>
-            </a:r>
-            <a:r>
-              <a:rPr lang="en-US" altLang="en-US" sz="800" dirty="0"/>
-              <a:t> Services Aws</a:t>
-            </a:r>
-          </a:p>
-          <a:p>
-            <a:r>
-              <a:rPr lang="en-US" altLang="en-US" sz="800" dirty="0"/>
-              <a:t>ECS – </a:t>
-            </a:r>
-            <a:r>
-              <a:rPr lang="en-US" altLang="en-US" sz="800" dirty="0" err="1"/>
-              <a:t>Fargate</a:t>
-            </a:r>
-            <a:r>
-              <a:rPr lang="en-US" altLang="en-US" sz="800" dirty="0"/>
-              <a:t> Container Services</a:t>
-            </a:r>
-          </a:p>
-          <a:p>
-            <a:r>
-              <a:rPr lang="en-US" altLang="en-US" sz="800" dirty="0"/>
-              <a:t>ECR – Container Registry</a:t>
-            </a:r>
-          </a:p>
-          <a:p>
-            <a:r>
-              <a:rPr lang="en-US" altLang="en-US" sz="800" dirty="0"/>
-              <a:t>RDS – Postgres Database</a:t>
-            </a:r>
-          </a:p>
-          <a:p>
-            <a:r>
-              <a:rPr lang="en-US" altLang="en-US" sz="800" dirty="0" err="1"/>
-              <a:t>Cloudwatch</a:t>
-            </a:r>
-            <a:r>
-              <a:rPr lang="en-US" altLang="en-US" sz="800" dirty="0"/>
-              <a:t> Monitoring</a:t>
-            </a:r>
-          </a:p>
-          <a:p>
-            <a:r>
-              <a:rPr lang="en-US" altLang="en-US" sz="800" dirty="0"/>
-              <a:t>Aws Backup</a:t>
-            </a:r>
-          </a:p>
-          <a:p>
-            <a:endParaRPr lang="en-US" altLang="en-US" sz="800" dirty="0"/>
-          </a:p>
-          <a:p>
-            <a:endParaRPr lang="en-US" altLang="en-US" dirty="0"/>
-          </a:p>
-        </p:txBody>
-      </p:sp>
-      <p:pic>
-        <p:nvPicPr>
-          <p:cNvPr id="43041" name="Picture 43040">
-            <a:extLst>
-              <a:ext uri="{FF2B5EF4-FFF2-40B4-BE49-F238E27FC236}">
-                <a16:creationId xmlns:a16="http://schemas.microsoft.com/office/drawing/2014/main" id="{B75B8D43-A77F-68C5-D671-CB6337B638B8}"/>
-              </a:ext>
-            </a:extLst>
-          </p:cNvPr>
-          <p:cNvPicPr>
-            <a:picLocks noChangeAspect="1"/>
-          </p:cNvPicPr>
-          <p:nvPr/>
-        </p:nvPicPr>
-        <p:blipFill>
-          <a:blip r:embed="rId2"/>
-          <a:stretch>
-            <a:fillRect/>
-          </a:stretch>
-        </p:blipFill>
-        <p:spPr>
-          <a:xfrm>
-            <a:off x="6038372" y="-10486"/>
-            <a:ext cx="457200" cy="457200"/>
-          </a:xfrm>
-          <a:prstGeom prst="rect">
-            <a:avLst/>
-          </a:prstGeom>
-        </p:spPr>
-      </p:pic>
-      <p:sp>
-        <p:nvSpPr>
-          <p:cNvPr id="43042" name="TextBox 43041">
-            <a:extLst>
-              <a:ext uri="{FF2B5EF4-FFF2-40B4-BE49-F238E27FC236}">
-                <a16:creationId xmlns:a16="http://schemas.microsoft.com/office/drawing/2014/main" id="{B74E5AC6-E919-6960-C366-063459AEC4F9}"/>
-              </a:ext>
-            </a:extLst>
-          </p:cNvPr>
-          <p:cNvSpPr txBox="1"/>
-          <p:nvPr/>
-        </p:nvSpPr>
-        <p:spPr>
-          <a:xfrm>
-            <a:off x="6679104" y="16323"/>
-            <a:ext cx="940257" cy="369332"/>
-          </a:xfrm>
-          <a:prstGeom prst="rect">
-            <a:avLst/>
-          </a:prstGeom>
-          <a:noFill/>
-        </p:spPr>
-        <p:txBody>
-          <a:bodyPr wrap="none" rtlCol="0">
-            <a:spAutoFit/>
-          </a:bodyPr>
-          <a:lstStyle/>
-          <a:p>
-            <a:r>
-              <a:rPr lang="en-US" b="0" i="0" dirty="0">
-                <a:solidFill>
-                  <a:srgbClr val="FFFFFF"/>
-                </a:solidFill>
-                <a:effectLst/>
-                <a:latin typeface="ui-sans-serif"/>
-              </a:rPr>
-              <a:t>internet</a:t>
-            </a:r>
-            <a:endParaRPr lang="en-US" dirty="0"/>
-          </a:p>
-        </p:txBody>
-      </p:sp>
-      <p:sp>
-        <p:nvSpPr>
-          <p:cNvPr id="43072" name="TextBox 43071">
-            <a:extLst>
-              <a:ext uri="{FF2B5EF4-FFF2-40B4-BE49-F238E27FC236}">
-                <a16:creationId xmlns:a16="http://schemas.microsoft.com/office/drawing/2014/main" id="{FB2F3BAE-99A8-368C-85E0-D6532CABCA88}"/>
-              </a:ext>
-            </a:extLst>
-          </p:cNvPr>
-          <p:cNvSpPr txBox="1"/>
-          <p:nvPr/>
-        </p:nvSpPr>
-        <p:spPr>
-          <a:xfrm>
-            <a:off x="10471649" y="2554850"/>
-            <a:ext cx="6096000" cy="215444"/>
-          </a:xfrm>
-          <a:prstGeom prst="rect">
-            <a:avLst/>
-          </a:prstGeom>
-          <a:noFill/>
-        </p:spPr>
-        <p:txBody>
-          <a:bodyPr wrap="square">
-            <a:spAutoFit/>
-          </a:bodyPr>
-          <a:lstStyle/>
-          <a:p>
-            <a:pPr eaLnBrk="1" fontAlgn="auto" hangingPunct="1">
-              <a:spcBef>
-                <a:spcPts val="0"/>
-              </a:spcBef>
-              <a:spcAft>
-                <a:spcPts val="0"/>
-              </a:spcAft>
-              <a:defRPr/>
-            </a:pPr>
-            <a:r>
-              <a:rPr lang="en-US" sz="800" dirty="0">
-                <a:solidFill>
-                  <a:schemeClr val="bg1"/>
-                </a:solidFill>
-                <a:latin typeface="Arial" panose="020B0604020202020204" pitchFamily="34" charset="0"/>
-                <a:cs typeface="Arial" panose="020B0604020202020204" pitchFamily="34" charset="0"/>
-              </a:rPr>
-              <a:t>Public subnet</a:t>
-            </a:r>
-          </a:p>
-        </p:txBody>
-      </p:sp>
-      <p:sp>
-        <p:nvSpPr>
-          <p:cNvPr id="43110" name="TextBox 43109">
-            <a:extLst>
-              <a:ext uri="{FF2B5EF4-FFF2-40B4-BE49-F238E27FC236}">
-                <a16:creationId xmlns:a16="http://schemas.microsoft.com/office/drawing/2014/main" id="{10E9E221-DE98-6255-7399-ACFFCCCD0AA6}"/>
-              </a:ext>
-            </a:extLst>
-          </p:cNvPr>
-          <p:cNvSpPr txBox="1"/>
-          <p:nvPr/>
-        </p:nvSpPr>
-        <p:spPr>
-          <a:xfrm>
-            <a:off x="6053698" y="5164456"/>
-            <a:ext cx="8286160" cy="215444"/>
-          </a:xfrm>
-          <a:prstGeom prst="rect">
-            <a:avLst/>
-          </a:prstGeom>
-          <a:noFill/>
-        </p:spPr>
-        <p:txBody>
-          <a:bodyPr wrap="square">
-            <a:spAutoFit/>
-          </a:bodyPr>
-          <a:lstStyle/>
-          <a:p>
-            <a:r>
-              <a:rPr lang="en-US" sz="800" b="0" i="0" dirty="0" err="1">
-                <a:solidFill>
-                  <a:srgbClr val="FFFFFF"/>
-                </a:solidFill>
-                <a:effectLst/>
-                <a:latin typeface="ui-sans-serif"/>
-              </a:rPr>
-              <a:t>cloudwatch</a:t>
-            </a:r>
-            <a:endParaRPr lang="en-US" sz="800" dirty="0"/>
-          </a:p>
-        </p:txBody>
-      </p:sp>
-    </p:spTree>
-    <p:extLst>
-      <p:ext uri="{BB962C8B-B14F-4D97-AF65-F5344CB8AC3E}">
-        <p14:creationId xmlns:p14="http://schemas.microsoft.com/office/powerpoint/2010/main" val="2069985505"/>
-      </p:ext>
-    </p:extLst>
-  </p:cSld>
-  <p:clrMapOvr>
-    <a:masterClrMapping/>
-  </p:clrMapOvr>
-</p:sld>
-</file>
-
-<file path=ppt/slides/slide6.xml><?xml version="1.0" encoding="utf-8"?>
 <p:sld xmlns:a="http://schemas.openxmlformats.org/drawingml/2006/main" xmlns:r="http://schemas.openxmlformats.org/officeDocument/2006/relationships" xmlns:p="http://schemas.openxmlformats.org/presentationml/2006/main">
   <p:cSld>
     <p:spTree>
@@ -33331,6 +32317,250 @@
 </p:sld>
 </file>
 
+<file path=ppt/slides/slide6.xml><?xml version="1.0" encoding="utf-8"?>
+<p:sld xmlns:a="http://schemas.openxmlformats.org/drawingml/2006/main" xmlns:r="http://schemas.openxmlformats.org/officeDocument/2006/relationships" xmlns:p="http://schemas.openxmlformats.org/presentationml/2006/main">
+  <p:cSld>
+    <p:spTree>
+      <p:nvGrpSpPr>
+        <p:cNvPr id="1" name=""/>
+        <p:cNvGrpSpPr/>
+        <p:nvPr/>
+      </p:nvGrpSpPr>
+      <p:grpSpPr>
+        <a:xfrm>
+          <a:off x="0" y="0"/>
+          <a:ext cx="0" cy="0"/>
+          <a:chOff x="0" y="0"/>
+          <a:chExt cx="0" cy="0"/>
+        </a:xfrm>
+      </p:grpSpPr>
+      <p:sp>
+        <p:nvSpPr>
+          <p:cNvPr id="44033" name="Title 4">
+            <a:extLst>
+              <a:ext uri="{FF2B5EF4-FFF2-40B4-BE49-F238E27FC236}">
+                <a16:creationId xmlns:a16="http://schemas.microsoft.com/office/drawing/2014/main" id="{48DBD1DA-0DF2-2F48-93F0-5FC9752FCD33}"/>
+              </a:ext>
+            </a:extLst>
+          </p:cNvPr>
+          <p:cNvSpPr>
+            <a:spLocks noGrp="1" noChangeArrowheads="1"/>
+          </p:cNvSpPr>
+          <p:nvPr>
+            <p:ph type="title"/>
+          </p:nvPr>
+        </p:nvSpPr>
+        <p:spPr/>
+        <p:txBody>
+          <a:bodyPr/>
+          <a:lstStyle/>
+          <a:p>
+            <a:r>
+              <a:rPr lang="en-US" altLang="en-US" dirty="0" err="1"/>
+              <a:t>CheckList</a:t>
+            </a:r>
+            <a:r>
+              <a:rPr lang="en-US" altLang="en-US" dirty="0"/>
+              <a:t> App- Infra - Print screen </a:t>
+            </a:r>
+            <a:br>
+              <a:rPr lang="en-US" altLang="en-US" dirty="0"/>
+            </a:br>
+            <a:r>
+              <a:rPr lang="en-US" altLang="en-US" dirty="0"/>
+              <a:t> </a:t>
+            </a:r>
+          </a:p>
+        </p:txBody>
+      </p:sp>
+      <p:sp>
+        <p:nvSpPr>
+          <p:cNvPr id="44034" name="Content Placeholder 5">
+            <a:extLst>
+              <a:ext uri="{FF2B5EF4-FFF2-40B4-BE49-F238E27FC236}">
+                <a16:creationId xmlns:a16="http://schemas.microsoft.com/office/drawing/2014/main" id="{E2F525D9-F783-7B40-850E-520CE425ACA7}"/>
+              </a:ext>
+            </a:extLst>
+          </p:cNvPr>
+          <p:cNvSpPr>
+            <a:spLocks noGrp="1" noChangeArrowheads="1"/>
+          </p:cNvSpPr>
+          <p:nvPr>
+            <p:ph type="body" sz="quarter" idx="13"/>
+          </p:nvPr>
+        </p:nvSpPr>
+        <p:spPr>
+          <a:xfrm>
+            <a:off x="151465" y="882723"/>
+            <a:ext cx="3602038" cy="4725987"/>
+          </a:xfrm>
+        </p:spPr>
+        <p:txBody>
+          <a:bodyPr/>
+          <a:lstStyle/>
+          <a:p>
+            <a:br>
+              <a:rPr lang="en-US" altLang="en-US" sz="1800" dirty="0"/>
+            </a:br>
+            <a:r>
+              <a:rPr lang="en-US" altLang="en-US" sz="1800" b="1" dirty="0">
+                <a:solidFill>
+                  <a:schemeClr val="accent1"/>
+                </a:solidFill>
+              </a:rPr>
+              <a:t>1 - Database</a:t>
+            </a:r>
+          </a:p>
+          <a:p>
+            <a:endParaRPr lang="en-US" altLang="en-US" dirty="0"/>
+          </a:p>
+        </p:txBody>
+      </p:sp>
+      <p:sp>
+        <p:nvSpPr>
+          <p:cNvPr id="44035" name="Content Placeholder 6">
+            <a:extLst>
+              <a:ext uri="{FF2B5EF4-FFF2-40B4-BE49-F238E27FC236}">
+                <a16:creationId xmlns:a16="http://schemas.microsoft.com/office/drawing/2014/main" id="{0F218B49-3462-5541-B87F-3EA3FD8B709F}"/>
+              </a:ext>
+            </a:extLst>
+          </p:cNvPr>
+          <p:cNvSpPr>
+            <a:spLocks noGrp="1" noChangeArrowheads="1"/>
+          </p:cNvSpPr>
+          <p:nvPr>
+            <p:ph type="body" sz="quarter" idx="14"/>
+          </p:nvPr>
+        </p:nvSpPr>
+        <p:spPr>
+          <a:xfrm>
+            <a:off x="2876083" y="775693"/>
+            <a:ext cx="3603625" cy="4725987"/>
+          </a:xfrm>
+        </p:spPr>
+        <p:txBody>
+          <a:bodyPr/>
+          <a:lstStyle/>
+          <a:p>
+            <a:br>
+              <a:rPr lang="en-US" altLang="en-US" dirty="0"/>
+            </a:br>
+            <a:r>
+              <a:rPr lang="en-US" altLang="en-US" sz="1800" b="1" dirty="0">
+                <a:solidFill>
+                  <a:schemeClr val="accent1"/>
+                </a:solidFill>
+              </a:rPr>
+              <a:t>2 - Network</a:t>
+            </a:r>
+          </a:p>
+          <a:p>
+            <a:endParaRPr lang="en-US" altLang="en-US" sz="1800" b="1" dirty="0"/>
+          </a:p>
+          <a:p>
+            <a:endParaRPr lang="en-US" altLang="en-US" dirty="0"/>
+          </a:p>
+        </p:txBody>
+      </p:sp>
+      <p:sp>
+        <p:nvSpPr>
+          <p:cNvPr id="11" name="Footer Placeholder 10">
+            <a:extLst>
+              <a:ext uri="{FF2B5EF4-FFF2-40B4-BE49-F238E27FC236}">
+                <a16:creationId xmlns:a16="http://schemas.microsoft.com/office/drawing/2014/main" id="{C5054160-42F0-070A-4307-6A76C26A3E53}"/>
+              </a:ext>
+            </a:extLst>
+          </p:cNvPr>
+          <p:cNvSpPr>
+            <a:spLocks noGrp="1"/>
+          </p:cNvSpPr>
+          <p:nvPr>
+            <p:ph type="ftr" sz="quarter" idx="16"/>
+          </p:nvPr>
+        </p:nvSpPr>
+        <p:spPr/>
+        <p:txBody>
+          <a:bodyPr/>
+          <a:lstStyle/>
+          <a:p>
+            <a:r>
+              <a:rPr lang="en-US" dirty="0">
+                <a:latin typeface="Arial" panose="020B0604020202020204" pitchFamily="34" charset="0"/>
+                <a:cs typeface="Arial" panose="020B0604020202020204" pitchFamily="34" charset="0"/>
+              </a:rPr>
+              <a:t>.</a:t>
+            </a:r>
+          </a:p>
+        </p:txBody>
+      </p:sp>
+      <p:sp>
+        <p:nvSpPr>
+          <p:cNvPr id="3" name="Slide Number Placeholder 2">
+            <a:extLst>
+              <a:ext uri="{FF2B5EF4-FFF2-40B4-BE49-F238E27FC236}">
+                <a16:creationId xmlns:a16="http://schemas.microsoft.com/office/drawing/2014/main" id="{0C12467A-FD84-CC3D-06EE-212AB7789157}"/>
+              </a:ext>
+            </a:extLst>
+          </p:cNvPr>
+          <p:cNvSpPr>
+            <a:spLocks noGrp="1"/>
+          </p:cNvSpPr>
+          <p:nvPr>
+            <p:ph type="sldNum" sz="quarter" idx="17"/>
+          </p:nvPr>
+        </p:nvSpPr>
+        <p:spPr/>
+        <p:txBody>
+          <a:bodyPr/>
+          <a:lstStyle/>
+          <a:p>
+            <a:endParaRPr lang="en-US" dirty="0"/>
+          </a:p>
+        </p:txBody>
+      </p:sp>
+      <p:pic>
+        <p:nvPicPr>
+          <p:cNvPr id="4" name="Picture 3">
+            <a:extLst>
+              <a:ext uri="{FF2B5EF4-FFF2-40B4-BE49-F238E27FC236}">
+                <a16:creationId xmlns:a16="http://schemas.microsoft.com/office/drawing/2014/main" id="{3293BF49-F96C-B6E3-8417-73968B53A3F7}"/>
+              </a:ext>
+            </a:extLst>
+          </p:cNvPr>
+          <p:cNvPicPr>
+            <a:picLocks noChangeAspect="1"/>
+          </p:cNvPicPr>
+          <p:nvPr/>
+        </p:nvPicPr>
+        <p:blipFill>
+          <a:blip r:embed="rId2"/>
+          <a:stretch>
+            <a:fillRect/>
+          </a:stretch>
+        </p:blipFill>
+        <p:spPr>
+          <a:xfrm>
+            <a:off x="268928" y="1249289"/>
+            <a:ext cx="11211872" cy="5597145"/>
+          </a:xfrm>
+          <a:prstGeom prst="rect">
+            <a:avLst/>
+          </a:prstGeom>
+        </p:spPr>
+      </p:pic>
+    </p:spTree>
+    <p:extLst>
+      <p:ext uri="{BB962C8B-B14F-4D97-AF65-F5344CB8AC3E}">
+        <p14:creationId xmlns:p14="http://schemas.microsoft.com/office/powerpoint/2010/main" val="1683023914"/>
+      </p:ext>
+    </p:extLst>
+  </p:cSld>
+  <p:clrMapOvr>
+    <a:masterClrMapping/>
+  </p:clrMapOvr>
+</p:sld>
+</file>
+
 <file path=ppt/slides/slide7.xml><?xml version="1.0" encoding="utf-8"?>
 <p:sld xmlns:a="http://schemas.openxmlformats.org/drawingml/2006/main" xmlns:r="http://schemas.openxmlformats.org/officeDocument/2006/relationships" xmlns:p="http://schemas.openxmlformats.org/presentationml/2006/main">
   <p:cSld>
@@ -33350,45 +32580,6 @@
       </p:grpSpPr>
       <p:sp>
         <p:nvSpPr>
-          <p:cNvPr id="44033" name="Title 4">
-            <a:extLst>
-              <a:ext uri="{FF2B5EF4-FFF2-40B4-BE49-F238E27FC236}">
-                <a16:creationId xmlns:a16="http://schemas.microsoft.com/office/drawing/2014/main" id="{48DBD1DA-0DF2-2F48-93F0-5FC9752FCD33}"/>
-              </a:ext>
-            </a:extLst>
-          </p:cNvPr>
-          <p:cNvSpPr>
-            <a:spLocks noGrp="1" noChangeArrowheads="1"/>
-          </p:cNvSpPr>
-          <p:nvPr>
-            <p:ph type="title"/>
-          </p:nvPr>
-        </p:nvSpPr>
-        <p:spPr/>
-        <p:txBody>
-          <a:bodyPr/>
-          <a:lstStyle/>
-          <a:p>
-            <a:r>
-              <a:rPr lang="en-US" altLang="en-US" dirty="0" err="1"/>
-              <a:t>CheckList</a:t>
-            </a:r>
-            <a:r>
-              <a:rPr lang="en-US" altLang="en-US" dirty="0"/>
-              <a:t> App- Infra - Print screen </a:t>
-            </a:r>
-            <a:br>
-              <a:rPr lang="en-US" altLang="en-US" dirty="0"/>
-            </a:br>
-            <a:r>
-              <a:rPr lang="en-US" altLang="en-US" dirty="0"/>
-              <a:t> </a:t>
-            </a:r>
-          </a:p>
-        </p:txBody>
-      </p:sp>
-      <p:sp>
-        <p:nvSpPr>
           <p:cNvPr id="44034" name="Content Placeholder 5">
             <a:extLst>
               <a:ext uri="{FF2B5EF4-FFF2-40B4-BE49-F238E27FC236}">
@@ -33532,12 +32723,51 @@
           </a:p>
         </p:txBody>
       </p:sp>
+      <p:sp>
+        <p:nvSpPr>
+          <p:cNvPr id="44033" name="Title 4">
+            <a:extLst>
+              <a:ext uri="{FF2B5EF4-FFF2-40B4-BE49-F238E27FC236}">
+                <a16:creationId xmlns:a16="http://schemas.microsoft.com/office/drawing/2014/main" id="{48DBD1DA-0DF2-2F48-93F0-5FC9752FCD33}"/>
+              </a:ext>
+            </a:extLst>
+          </p:cNvPr>
+          <p:cNvSpPr>
+            <a:spLocks noGrp="1" noChangeArrowheads="1"/>
+          </p:cNvSpPr>
+          <p:nvPr>
+            <p:ph type="title"/>
+          </p:nvPr>
+        </p:nvSpPr>
+        <p:spPr/>
+        <p:txBody>
+          <a:bodyPr/>
+          <a:lstStyle/>
+          <a:p>
+            <a:r>
+              <a:rPr lang="en-US" altLang="en-US" dirty="0" err="1"/>
+              <a:t>CheckList</a:t>
+            </a:r>
+            <a:r>
+              <a:rPr lang="en-US" altLang="en-US" dirty="0"/>
+              <a:t> App- Infra - Print screen </a:t>
+            </a:r>
+            <a:br>
+              <a:rPr lang="en-US" altLang="en-US" dirty="0"/>
+            </a:br>
+            <a:r>
+              <a:rPr lang="en-US" altLang="en-US" dirty="0"/>
+              <a:t> </a:t>
+            </a:r>
+          </a:p>
+        </p:txBody>
+      </p:sp>
       <p:pic>
         <p:nvPicPr>
-          <p:cNvPr id="4" name="Picture 3">
-            <a:extLst>
-              <a:ext uri="{FF2B5EF4-FFF2-40B4-BE49-F238E27FC236}">
-                <a16:creationId xmlns:a16="http://schemas.microsoft.com/office/drawing/2014/main" id="{3293BF49-F96C-B6E3-8417-73968B53A3F7}"/>
+          <p:cNvPr id="12" name="Picture 11">
+            <a:extLst>
+              <a:ext uri="{FF2B5EF4-FFF2-40B4-BE49-F238E27FC236}">
+                <a16:creationId xmlns:a16="http://schemas.microsoft.com/office/drawing/2014/main" id="{E0884036-E928-86C0-085D-E525584D7113}"/>
               </a:ext>
             </a:extLst>
           </p:cNvPr>
@@ -33554,8 +32784,8 @@
         </p:blipFill>
         <p:spPr>
           <a:xfrm>
-            <a:off x="268928" y="1249289"/>
-            <a:ext cx="11211872" cy="5597145"/>
+            <a:off x="151465" y="1253042"/>
+            <a:ext cx="11315619" cy="5452291"/>
           </a:xfrm>
           <a:prstGeom prst="rect">
             <a:avLst/>
@@ -33565,7 +32795,7 @@
     </p:spTree>
     <p:extLst>
       <p:ext uri="{BB962C8B-B14F-4D97-AF65-F5344CB8AC3E}">
-        <p14:creationId xmlns:p14="http://schemas.microsoft.com/office/powerpoint/2010/main" val="1683023914"/>
+        <p14:creationId xmlns:p14="http://schemas.microsoft.com/office/powerpoint/2010/main" val="2045631358"/>
       </p:ext>
     </p:extLst>
   </p:cSld>
@@ -33594,6 +32824,45 @@
       </p:grpSpPr>
       <p:sp>
         <p:nvSpPr>
+          <p:cNvPr id="44033" name="Title 4">
+            <a:extLst>
+              <a:ext uri="{FF2B5EF4-FFF2-40B4-BE49-F238E27FC236}">
+                <a16:creationId xmlns:a16="http://schemas.microsoft.com/office/drawing/2014/main" id="{48DBD1DA-0DF2-2F48-93F0-5FC9752FCD33}"/>
+              </a:ext>
+            </a:extLst>
+          </p:cNvPr>
+          <p:cNvSpPr>
+            <a:spLocks noGrp="1" noChangeArrowheads="1"/>
+          </p:cNvSpPr>
+          <p:nvPr>
+            <p:ph type="title"/>
+          </p:nvPr>
+        </p:nvSpPr>
+        <p:spPr/>
+        <p:txBody>
+          <a:bodyPr/>
+          <a:lstStyle/>
+          <a:p>
+            <a:r>
+              <a:rPr lang="en-US" altLang="en-US" dirty="0" err="1"/>
+              <a:t>CheckList</a:t>
+            </a:r>
+            <a:r>
+              <a:rPr lang="en-US" altLang="en-US" dirty="0"/>
+              <a:t> App- Infra - Print screen </a:t>
+            </a:r>
+            <a:br>
+              <a:rPr lang="en-US" altLang="en-US" dirty="0"/>
+            </a:br>
+            <a:r>
+              <a:rPr lang="en-US" altLang="en-US" dirty="0"/>
+              <a:t> </a:t>
+            </a:r>
+          </a:p>
+        </p:txBody>
+      </p:sp>
+      <p:sp>
+        <p:nvSpPr>
           <p:cNvPr id="44034" name="Content Placeholder 5">
             <a:extLst>
               <a:ext uri="{FF2B5EF4-FFF2-40B4-BE49-F238E27FC236}">
@@ -33737,51 +33006,12 @@
           </a:p>
         </p:txBody>
       </p:sp>
-      <p:sp>
-        <p:nvSpPr>
-          <p:cNvPr id="44033" name="Title 4">
-            <a:extLst>
-              <a:ext uri="{FF2B5EF4-FFF2-40B4-BE49-F238E27FC236}">
-                <a16:creationId xmlns:a16="http://schemas.microsoft.com/office/drawing/2014/main" id="{48DBD1DA-0DF2-2F48-93F0-5FC9752FCD33}"/>
-              </a:ext>
-            </a:extLst>
-          </p:cNvPr>
-          <p:cNvSpPr>
-            <a:spLocks noGrp="1" noChangeArrowheads="1"/>
-          </p:cNvSpPr>
-          <p:nvPr>
-            <p:ph type="title"/>
-          </p:nvPr>
-        </p:nvSpPr>
-        <p:spPr/>
-        <p:txBody>
-          <a:bodyPr/>
-          <a:lstStyle/>
-          <a:p>
-            <a:r>
-              <a:rPr lang="en-US" altLang="en-US" dirty="0" err="1"/>
-              <a:t>CheckList</a:t>
-            </a:r>
-            <a:r>
-              <a:rPr lang="en-US" altLang="en-US" dirty="0"/>
-              <a:t> App- Infra - Print screen </a:t>
-            </a:r>
-            <a:br>
-              <a:rPr lang="en-US" altLang="en-US" dirty="0"/>
-            </a:br>
-            <a:r>
-              <a:rPr lang="en-US" altLang="en-US" dirty="0"/>
-              <a:t> </a:t>
-            </a:r>
-          </a:p>
-        </p:txBody>
-      </p:sp>
       <p:pic>
         <p:nvPicPr>
-          <p:cNvPr id="12" name="Picture 11">
-            <a:extLst>
-              <a:ext uri="{FF2B5EF4-FFF2-40B4-BE49-F238E27FC236}">
-                <a16:creationId xmlns:a16="http://schemas.microsoft.com/office/drawing/2014/main" id="{E0884036-E928-86C0-085D-E525584D7113}"/>
+          <p:cNvPr id="4" name="Picture 3">
+            <a:extLst>
+              <a:ext uri="{FF2B5EF4-FFF2-40B4-BE49-F238E27FC236}">
+                <a16:creationId xmlns:a16="http://schemas.microsoft.com/office/drawing/2014/main" id="{668D73D2-C5FF-1DE5-9B71-E007F2A0FFCC}"/>
               </a:ext>
             </a:extLst>
           </p:cNvPr>
@@ -33798,8 +33028,8 @@
         </p:blipFill>
         <p:spPr>
           <a:xfrm>
-            <a:off x="151465" y="1253042"/>
-            <a:ext cx="11315619" cy="5452291"/>
+            <a:off x="151465" y="775693"/>
+            <a:ext cx="11655840" cy="6208790"/>
           </a:xfrm>
           <a:prstGeom prst="rect">
             <a:avLst/>
@@ -33809,7 +33039,7 @@
     </p:spTree>
     <p:extLst>
       <p:ext uri="{BB962C8B-B14F-4D97-AF65-F5344CB8AC3E}">
-        <p14:creationId xmlns:p14="http://schemas.microsoft.com/office/powerpoint/2010/main" val="2045631358"/>
+        <p14:creationId xmlns:p14="http://schemas.microsoft.com/office/powerpoint/2010/main" val="2251856987"/>
       </p:ext>
     </p:extLst>
   </p:cSld>
@@ -34022,10 +33252,10 @@
       </p:sp>
       <p:pic>
         <p:nvPicPr>
-          <p:cNvPr id="5" name="Picture 4">
-            <a:extLst>
-              <a:ext uri="{FF2B5EF4-FFF2-40B4-BE49-F238E27FC236}">
-                <a16:creationId xmlns:a16="http://schemas.microsoft.com/office/drawing/2014/main" id="{0669F155-19D0-CE7B-5D55-52FC73F74977}"/>
+          <p:cNvPr id="4" name="Picture 3">
+            <a:extLst>
+              <a:ext uri="{FF2B5EF4-FFF2-40B4-BE49-F238E27FC236}">
+                <a16:creationId xmlns:a16="http://schemas.microsoft.com/office/drawing/2014/main" id="{D2AD4B43-8506-A67D-2B81-8AB1FE65E2E7}"/>
               </a:ext>
             </a:extLst>
           </p:cNvPr>
@@ -34042,8 +33272,8 @@
         </p:blipFill>
         <p:spPr>
           <a:xfrm>
-            <a:off x="337664" y="1209311"/>
-            <a:ext cx="11516672" cy="5788580"/>
+            <a:off x="0" y="1188903"/>
+            <a:ext cx="12192000" cy="4480193"/>
           </a:xfrm>
           <a:prstGeom prst="rect">
             <a:avLst/>
@@ -34053,7 +33283,7 @@
     </p:spTree>
     <p:extLst>
       <p:ext uri="{BB962C8B-B14F-4D97-AF65-F5344CB8AC3E}">
-        <p14:creationId xmlns:p14="http://schemas.microsoft.com/office/powerpoint/2010/main" val="2251856987"/>
+        <p14:creationId xmlns:p14="http://schemas.microsoft.com/office/powerpoint/2010/main" val="830528278"/>
       </p:ext>
     </p:extLst>
   </p:cSld>
